--- a/ppt 16-9/0676.有主当知足.pptx
+++ b/ppt 16-9/0676.有主当知足.pptx
@@ -5,7 +5,7 @@
     <p:sldMasterId id="2147483648" r:id="rId1"/>
   </p:sldMasterIdLst>
   <p:sldIdLst>
-    <p:sldId id="2484" r:id="rId2"/>
+    <p:sldId id="2485" r:id="rId2"/>
   </p:sldIdLst>
   <p:sldSz cx="12192000" cy="6858000"/>
   <p:notesSz cx="6858000" cy="9144000"/>
@@ -129,7 +129,7 @@
           <p:cNvPr id="2" name="标题 1">
             <a:extLst>
               <a:ext uri="{FF2B5EF4-FFF2-40B4-BE49-F238E27FC236}">
-                <a16:creationId xmlns:a16="http://schemas.microsoft.com/office/drawing/2014/main" id="{50F79536-E340-EE29-E61C-FD93365F1A1F}"/>
+                <a16:creationId xmlns:a16="http://schemas.microsoft.com/office/drawing/2014/main" id="{3F8D81C5-04DA-CE74-7433-5BE3D3A61DAE}"/>
               </a:ext>
             </a:extLst>
           </p:cNvPr>
@@ -166,7 +166,7 @@
           <p:cNvPr id="3" name="副标题 2">
             <a:extLst>
               <a:ext uri="{FF2B5EF4-FFF2-40B4-BE49-F238E27FC236}">
-                <a16:creationId xmlns:a16="http://schemas.microsoft.com/office/drawing/2014/main" id="{FA101FFD-7163-727B-33DB-1E9BD88758D1}"/>
+                <a16:creationId xmlns:a16="http://schemas.microsoft.com/office/drawing/2014/main" id="{DCD0BE04-4CD2-04CD-7233-A8DD1390937A}"/>
               </a:ext>
             </a:extLst>
           </p:cNvPr>
@@ -236,7 +236,7 @@
           <p:cNvPr id="4" name="日期占位符 3">
             <a:extLst>
               <a:ext uri="{FF2B5EF4-FFF2-40B4-BE49-F238E27FC236}">
-                <a16:creationId xmlns:a16="http://schemas.microsoft.com/office/drawing/2014/main" id="{15DCA682-D186-6B50-6D2C-79AFCDC1B44E}"/>
+                <a16:creationId xmlns:a16="http://schemas.microsoft.com/office/drawing/2014/main" id="{484962D9-65EC-C454-C755-607493DB7C41}"/>
               </a:ext>
             </a:extLst>
           </p:cNvPr>
@@ -252,7 +252,7 @@
           <a:bodyPr/>
           <a:lstStyle/>
           <a:p>
-            <a:fld id="{F33BDBB3-2E28-4251-A4E9-9AD7F0E7CF80}" type="datetimeFigureOut">
+            <a:fld id="{17BBDA47-307A-4742-B733-25617F91A85D}" type="datetimeFigureOut">
               <a:rPr lang="zh-CN" altLang="en-US" smtClean="0"/>
               <a:t>2024/3/10</a:t>
             </a:fld>
@@ -265,7 +265,7 @@
           <p:cNvPr id="5" name="页脚占位符 4">
             <a:extLst>
               <a:ext uri="{FF2B5EF4-FFF2-40B4-BE49-F238E27FC236}">
-                <a16:creationId xmlns:a16="http://schemas.microsoft.com/office/drawing/2014/main" id="{72745C3E-5115-62DF-D2B5-CEAAE947F5E5}"/>
+                <a16:creationId xmlns:a16="http://schemas.microsoft.com/office/drawing/2014/main" id="{BB3D69EA-0550-C4AE-7E9E-CD4AB6DB9CD7}"/>
               </a:ext>
             </a:extLst>
           </p:cNvPr>
@@ -290,7 +290,7 @@
           <p:cNvPr id="6" name="灯片编号占位符 5">
             <a:extLst>
               <a:ext uri="{FF2B5EF4-FFF2-40B4-BE49-F238E27FC236}">
-                <a16:creationId xmlns:a16="http://schemas.microsoft.com/office/drawing/2014/main" id="{38402D11-367D-BF66-1154-657C5BF9D780}"/>
+                <a16:creationId xmlns:a16="http://schemas.microsoft.com/office/drawing/2014/main" id="{20155D99-2BF6-1DF3-AA63-59794E3CF1B0}"/>
               </a:ext>
             </a:extLst>
           </p:cNvPr>
@@ -306,7 +306,7 @@
           <a:bodyPr/>
           <a:lstStyle/>
           <a:p>
-            <a:fld id="{48D2DB90-3445-4B0B-8AF9-6F82FEE48594}" type="slidenum">
+            <a:fld id="{05EB092C-63A6-491E-8B71-240743562428}" type="slidenum">
               <a:rPr lang="zh-CN" altLang="en-US" smtClean="0"/>
               <a:t>‹#›</a:t>
             </a:fld>
@@ -317,7 +317,7 @@
     </p:spTree>
     <p:extLst>
       <p:ext uri="{BB962C8B-B14F-4D97-AF65-F5344CB8AC3E}">
-        <p14:creationId xmlns:p14="http://schemas.microsoft.com/office/powerpoint/2010/main" val="389734035"/>
+        <p14:creationId xmlns:p14="http://schemas.microsoft.com/office/powerpoint/2010/main" val="326429046"/>
       </p:ext>
     </p:extLst>
   </p:cSld>
@@ -349,7 +349,7 @@
           <p:cNvPr id="2" name="标题 1">
             <a:extLst>
               <a:ext uri="{FF2B5EF4-FFF2-40B4-BE49-F238E27FC236}">
-                <a16:creationId xmlns:a16="http://schemas.microsoft.com/office/drawing/2014/main" id="{A44E0BAB-A8D5-F7F1-5DDB-504F8CE25DBD}"/>
+                <a16:creationId xmlns:a16="http://schemas.microsoft.com/office/drawing/2014/main" id="{165AFC28-1FB0-CBA1-CC9B-C40F71181F8E}"/>
               </a:ext>
             </a:extLst>
           </p:cNvPr>
@@ -377,7 +377,7 @@
           <p:cNvPr id="3" name="竖排文字占位符 2">
             <a:extLst>
               <a:ext uri="{FF2B5EF4-FFF2-40B4-BE49-F238E27FC236}">
-                <a16:creationId xmlns:a16="http://schemas.microsoft.com/office/drawing/2014/main" id="{7C8DE163-8B13-5940-77A2-F6C5E044FDA3}"/>
+                <a16:creationId xmlns:a16="http://schemas.microsoft.com/office/drawing/2014/main" id="{0A8A778C-0B61-0099-3E7A-0FB882341669}"/>
               </a:ext>
             </a:extLst>
           </p:cNvPr>
@@ -434,7 +434,7 @@
           <p:cNvPr id="4" name="日期占位符 3">
             <a:extLst>
               <a:ext uri="{FF2B5EF4-FFF2-40B4-BE49-F238E27FC236}">
-                <a16:creationId xmlns:a16="http://schemas.microsoft.com/office/drawing/2014/main" id="{A90142A6-E06A-D9A4-9547-9FF4FB8A7644}"/>
+                <a16:creationId xmlns:a16="http://schemas.microsoft.com/office/drawing/2014/main" id="{95B08384-CA8D-CD71-06A2-D7936303F38D}"/>
               </a:ext>
             </a:extLst>
           </p:cNvPr>
@@ -450,7 +450,7 @@
           <a:bodyPr/>
           <a:lstStyle/>
           <a:p>
-            <a:fld id="{F33BDBB3-2E28-4251-A4E9-9AD7F0E7CF80}" type="datetimeFigureOut">
+            <a:fld id="{17BBDA47-307A-4742-B733-25617F91A85D}" type="datetimeFigureOut">
               <a:rPr lang="zh-CN" altLang="en-US" smtClean="0"/>
               <a:t>2024/3/10</a:t>
             </a:fld>
@@ -463,7 +463,7 @@
           <p:cNvPr id="5" name="页脚占位符 4">
             <a:extLst>
               <a:ext uri="{FF2B5EF4-FFF2-40B4-BE49-F238E27FC236}">
-                <a16:creationId xmlns:a16="http://schemas.microsoft.com/office/drawing/2014/main" id="{699D0F1C-0252-1EDA-6DC1-C4871E25D7F7}"/>
+                <a16:creationId xmlns:a16="http://schemas.microsoft.com/office/drawing/2014/main" id="{8A2FF9C5-F143-3A8F-6EF9-EE6939141112}"/>
               </a:ext>
             </a:extLst>
           </p:cNvPr>
@@ -488,7 +488,7 @@
           <p:cNvPr id="6" name="灯片编号占位符 5">
             <a:extLst>
               <a:ext uri="{FF2B5EF4-FFF2-40B4-BE49-F238E27FC236}">
-                <a16:creationId xmlns:a16="http://schemas.microsoft.com/office/drawing/2014/main" id="{7DE00AF4-7F13-D05C-5B4C-9D4AB82EF06E}"/>
+                <a16:creationId xmlns:a16="http://schemas.microsoft.com/office/drawing/2014/main" id="{960E05FB-2AD8-9C04-1B16-B5B8B5A3FA52}"/>
               </a:ext>
             </a:extLst>
           </p:cNvPr>
@@ -504,7 +504,7 @@
           <a:bodyPr/>
           <a:lstStyle/>
           <a:p>
-            <a:fld id="{48D2DB90-3445-4B0B-8AF9-6F82FEE48594}" type="slidenum">
+            <a:fld id="{05EB092C-63A6-491E-8B71-240743562428}" type="slidenum">
               <a:rPr lang="zh-CN" altLang="en-US" smtClean="0"/>
               <a:t>‹#›</a:t>
             </a:fld>
@@ -515,7 +515,7 @@
     </p:spTree>
     <p:extLst>
       <p:ext uri="{BB962C8B-B14F-4D97-AF65-F5344CB8AC3E}">
-        <p14:creationId xmlns:p14="http://schemas.microsoft.com/office/powerpoint/2010/main" val="1885497114"/>
+        <p14:creationId xmlns:p14="http://schemas.microsoft.com/office/powerpoint/2010/main" val="2113701152"/>
       </p:ext>
     </p:extLst>
   </p:cSld>
@@ -547,7 +547,7 @@
           <p:cNvPr id="2" name="竖排标题 1">
             <a:extLst>
               <a:ext uri="{FF2B5EF4-FFF2-40B4-BE49-F238E27FC236}">
-                <a16:creationId xmlns:a16="http://schemas.microsoft.com/office/drawing/2014/main" id="{29E0702F-B334-8A50-6E62-ACCBB3DB1A6C}"/>
+                <a16:creationId xmlns:a16="http://schemas.microsoft.com/office/drawing/2014/main" id="{4FA111F4-A02F-1787-349B-010C1A138D92}"/>
               </a:ext>
             </a:extLst>
           </p:cNvPr>
@@ -580,7 +580,7 @@
           <p:cNvPr id="3" name="竖排文字占位符 2">
             <a:extLst>
               <a:ext uri="{FF2B5EF4-FFF2-40B4-BE49-F238E27FC236}">
-                <a16:creationId xmlns:a16="http://schemas.microsoft.com/office/drawing/2014/main" id="{08900807-4F3E-C568-F667-1B83CDFC33A5}"/>
+                <a16:creationId xmlns:a16="http://schemas.microsoft.com/office/drawing/2014/main" id="{4278417B-C326-4408-5160-7A30E269050F}"/>
               </a:ext>
             </a:extLst>
           </p:cNvPr>
@@ -642,7 +642,7 @@
           <p:cNvPr id="4" name="日期占位符 3">
             <a:extLst>
               <a:ext uri="{FF2B5EF4-FFF2-40B4-BE49-F238E27FC236}">
-                <a16:creationId xmlns:a16="http://schemas.microsoft.com/office/drawing/2014/main" id="{22623588-AB5E-84A8-503B-83A8B5ADD1C3}"/>
+                <a16:creationId xmlns:a16="http://schemas.microsoft.com/office/drawing/2014/main" id="{10F8145F-9157-788F-758F-DEE8624ABE37}"/>
               </a:ext>
             </a:extLst>
           </p:cNvPr>
@@ -658,7 +658,7 @@
           <a:bodyPr/>
           <a:lstStyle/>
           <a:p>
-            <a:fld id="{F33BDBB3-2E28-4251-A4E9-9AD7F0E7CF80}" type="datetimeFigureOut">
+            <a:fld id="{17BBDA47-307A-4742-B733-25617F91A85D}" type="datetimeFigureOut">
               <a:rPr lang="zh-CN" altLang="en-US" smtClean="0"/>
               <a:t>2024/3/10</a:t>
             </a:fld>
@@ -671,7 +671,7 @@
           <p:cNvPr id="5" name="页脚占位符 4">
             <a:extLst>
               <a:ext uri="{FF2B5EF4-FFF2-40B4-BE49-F238E27FC236}">
-                <a16:creationId xmlns:a16="http://schemas.microsoft.com/office/drawing/2014/main" id="{27BF185E-C593-5F77-9811-20BF8D4BED5B}"/>
+                <a16:creationId xmlns:a16="http://schemas.microsoft.com/office/drawing/2014/main" id="{A08A9CFE-5E6D-234B-B6C4-E4F3FDFD7989}"/>
               </a:ext>
             </a:extLst>
           </p:cNvPr>
@@ -696,7 +696,7 @@
           <p:cNvPr id="6" name="灯片编号占位符 5">
             <a:extLst>
               <a:ext uri="{FF2B5EF4-FFF2-40B4-BE49-F238E27FC236}">
-                <a16:creationId xmlns:a16="http://schemas.microsoft.com/office/drawing/2014/main" id="{BD219322-1C10-BF9D-E987-8510AFEC101C}"/>
+                <a16:creationId xmlns:a16="http://schemas.microsoft.com/office/drawing/2014/main" id="{6D08FF04-0DD5-BE0E-60EA-EFDA1B7A41F8}"/>
               </a:ext>
             </a:extLst>
           </p:cNvPr>
@@ -712,7 +712,7 @@
           <a:bodyPr/>
           <a:lstStyle/>
           <a:p>
-            <a:fld id="{48D2DB90-3445-4B0B-8AF9-6F82FEE48594}" type="slidenum">
+            <a:fld id="{05EB092C-63A6-491E-8B71-240743562428}" type="slidenum">
               <a:rPr lang="zh-CN" altLang="en-US" smtClean="0"/>
               <a:t>‹#›</a:t>
             </a:fld>
@@ -723,7 +723,7 @@
     </p:spTree>
     <p:extLst>
       <p:ext uri="{BB962C8B-B14F-4D97-AF65-F5344CB8AC3E}">
-        <p14:creationId xmlns:p14="http://schemas.microsoft.com/office/powerpoint/2010/main" val="1596097647"/>
+        <p14:creationId xmlns:p14="http://schemas.microsoft.com/office/powerpoint/2010/main" val="1151273041"/>
       </p:ext>
     </p:extLst>
   </p:cSld>
@@ -755,7 +755,7 @@
           <p:cNvPr id="2" name="标题 1">
             <a:extLst>
               <a:ext uri="{FF2B5EF4-FFF2-40B4-BE49-F238E27FC236}">
-                <a16:creationId xmlns:a16="http://schemas.microsoft.com/office/drawing/2014/main" id="{701DE710-8D45-995F-F801-90B0BFB5FA49}"/>
+                <a16:creationId xmlns:a16="http://schemas.microsoft.com/office/drawing/2014/main" id="{2DA9B81F-25AA-399F-9E32-A7794C0D9A17}"/>
               </a:ext>
             </a:extLst>
           </p:cNvPr>
@@ -783,7 +783,7 @@
           <p:cNvPr id="3" name="内容占位符 2">
             <a:extLst>
               <a:ext uri="{FF2B5EF4-FFF2-40B4-BE49-F238E27FC236}">
-                <a16:creationId xmlns:a16="http://schemas.microsoft.com/office/drawing/2014/main" id="{D5A2A5BE-854A-688B-E2CF-36E7CD9B8336}"/>
+                <a16:creationId xmlns:a16="http://schemas.microsoft.com/office/drawing/2014/main" id="{94F1E554-DF55-751A-80A0-E0FD18AC88B8}"/>
               </a:ext>
             </a:extLst>
           </p:cNvPr>
@@ -840,7 +840,7 @@
           <p:cNvPr id="4" name="日期占位符 3">
             <a:extLst>
               <a:ext uri="{FF2B5EF4-FFF2-40B4-BE49-F238E27FC236}">
-                <a16:creationId xmlns:a16="http://schemas.microsoft.com/office/drawing/2014/main" id="{DD66C9DE-CAFE-CF43-6A33-D9A552A0849F}"/>
+                <a16:creationId xmlns:a16="http://schemas.microsoft.com/office/drawing/2014/main" id="{045796DD-5389-9A83-14A0-14489F242DE6}"/>
               </a:ext>
             </a:extLst>
           </p:cNvPr>
@@ -856,7 +856,7 @@
           <a:bodyPr/>
           <a:lstStyle/>
           <a:p>
-            <a:fld id="{F33BDBB3-2E28-4251-A4E9-9AD7F0E7CF80}" type="datetimeFigureOut">
+            <a:fld id="{17BBDA47-307A-4742-B733-25617F91A85D}" type="datetimeFigureOut">
               <a:rPr lang="zh-CN" altLang="en-US" smtClean="0"/>
               <a:t>2024/3/10</a:t>
             </a:fld>
@@ -869,7 +869,7 @@
           <p:cNvPr id="5" name="页脚占位符 4">
             <a:extLst>
               <a:ext uri="{FF2B5EF4-FFF2-40B4-BE49-F238E27FC236}">
-                <a16:creationId xmlns:a16="http://schemas.microsoft.com/office/drawing/2014/main" id="{8DD58388-8AEB-3561-34EE-ECA8720871AA}"/>
+                <a16:creationId xmlns:a16="http://schemas.microsoft.com/office/drawing/2014/main" id="{F8D91E22-A712-CA68-590E-A83A67A58CC8}"/>
               </a:ext>
             </a:extLst>
           </p:cNvPr>
@@ -894,7 +894,7 @@
           <p:cNvPr id="6" name="灯片编号占位符 5">
             <a:extLst>
               <a:ext uri="{FF2B5EF4-FFF2-40B4-BE49-F238E27FC236}">
-                <a16:creationId xmlns:a16="http://schemas.microsoft.com/office/drawing/2014/main" id="{682801DC-8FD2-1979-FBE8-EF6B2A8D546C}"/>
+                <a16:creationId xmlns:a16="http://schemas.microsoft.com/office/drawing/2014/main" id="{B21DCDA3-05CD-0639-203A-327EB458847D}"/>
               </a:ext>
             </a:extLst>
           </p:cNvPr>
@@ -910,7 +910,7 @@
           <a:bodyPr/>
           <a:lstStyle/>
           <a:p>
-            <a:fld id="{48D2DB90-3445-4B0B-8AF9-6F82FEE48594}" type="slidenum">
+            <a:fld id="{05EB092C-63A6-491E-8B71-240743562428}" type="slidenum">
               <a:rPr lang="zh-CN" altLang="en-US" smtClean="0"/>
               <a:t>‹#›</a:t>
             </a:fld>
@@ -921,7 +921,7 @@
     </p:spTree>
     <p:extLst>
       <p:ext uri="{BB962C8B-B14F-4D97-AF65-F5344CB8AC3E}">
-        <p14:creationId xmlns:p14="http://schemas.microsoft.com/office/powerpoint/2010/main" val="95216652"/>
+        <p14:creationId xmlns:p14="http://schemas.microsoft.com/office/powerpoint/2010/main" val="3996655788"/>
       </p:ext>
     </p:extLst>
   </p:cSld>
@@ -953,7 +953,7 @@
           <p:cNvPr id="2" name="标题 1">
             <a:extLst>
               <a:ext uri="{FF2B5EF4-FFF2-40B4-BE49-F238E27FC236}">
-                <a16:creationId xmlns:a16="http://schemas.microsoft.com/office/drawing/2014/main" id="{795CB148-A5AE-7FC9-6388-AD253863862E}"/>
+                <a16:creationId xmlns:a16="http://schemas.microsoft.com/office/drawing/2014/main" id="{D07B5207-5168-0EB1-3E2E-A3CFABE8E8C5}"/>
               </a:ext>
             </a:extLst>
           </p:cNvPr>
@@ -990,7 +990,7 @@
           <p:cNvPr id="3" name="文本占位符 2">
             <a:extLst>
               <a:ext uri="{FF2B5EF4-FFF2-40B4-BE49-F238E27FC236}">
-                <a16:creationId xmlns:a16="http://schemas.microsoft.com/office/drawing/2014/main" id="{0CCB6C94-18DD-2968-C70D-CC7714F07304}"/>
+                <a16:creationId xmlns:a16="http://schemas.microsoft.com/office/drawing/2014/main" id="{13EEAF5F-CB58-22C5-AF1C-83E13EC6A0B8}"/>
               </a:ext>
             </a:extLst>
           </p:cNvPr>
@@ -1115,7 +1115,7 @@
           <p:cNvPr id="4" name="日期占位符 3">
             <a:extLst>
               <a:ext uri="{FF2B5EF4-FFF2-40B4-BE49-F238E27FC236}">
-                <a16:creationId xmlns:a16="http://schemas.microsoft.com/office/drawing/2014/main" id="{013CFE82-2443-AD89-EF30-5BABEE1986C7}"/>
+                <a16:creationId xmlns:a16="http://schemas.microsoft.com/office/drawing/2014/main" id="{CF2BF8AA-BA78-E992-F63D-9E75B17E508C}"/>
               </a:ext>
             </a:extLst>
           </p:cNvPr>
@@ -1131,7 +1131,7 @@
           <a:bodyPr/>
           <a:lstStyle/>
           <a:p>
-            <a:fld id="{F33BDBB3-2E28-4251-A4E9-9AD7F0E7CF80}" type="datetimeFigureOut">
+            <a:fld id="{17BBDA47-307A-4742-B733-25617F91A85D}" type="datetimeFigureOut">
               <a:rPr lang="zh-CN" altLang="en-US" smtClean="0"/>
               <a:t>2024/3/10</a:t>
             </a:fld>
@@ -1144,7 +1144,7 @@
           <p:cNvPr id="5" name="页脚占位符 4">
             <a:extLst>
               <a:ext uri="{FF2B5EF4-FFF2-40B4-BE49-F238E27FC236}">
-                <a16:creationId xmlns:a16="http://schemas.microsoft.com/office/drawing/2014/main" id="{26FA3F03-C0A6-DA67-FA2C-426D5AD66AB4}"/>
+                <a16:creationId xmlns:a16="http://schemas.microsoft.com/office/drawing/2014/main" id="{6C29FF24-25B9-C22D-ACCD-CBD1E4D19E67}"/>
               </a:ext>
             </a:extLst>
           </p:cNvPr>
@@ -1169,7 +1169,7 @@
           <p:cNvPr id="6" name="灯片编号占位符 5">
             <a:extLst>
               <a:ext uri="{FF2B5EF4-FFF2-40B4-BE49-F238E27FC236}">
-                <a16:creationId xmlns:a16="http://schemas.microsoft.com/office/drawing/2014/main" id="{CF25BACB-F8A9-28D6-2EE6-72CAAE543CC8}"/>
+                <a16:creationId xmlns:a16="http://schemas.microsoft.com/office/drawing/2014/main" id="{5003B68B-046B-FEF6-BD42-BE2144DA021C}"/>
               </a:ext>
             </a:extLst>
           </p:cNvPr>
@@ -1185,7 +1185,7 @@
           <a:bodyPr/>
           <a:lstStyle/>
           <a:p>
-            <a:fld id="{48D2DB90-3445-4B0B-8AF9-6F82FEE48594}" type="slidenum">
+            <a:fld id="{05EB092C-63A6-491E-8B71-240743562428}" type="slidenum">
               <a:rPr lang="zh-CN" altLang="en-US" smtClean="0"/>
               <a:t>‹#›</a:t>
             </a:fld>
@@ -1196,7 +1196,7 @@
     </p:spTree>
     <p:extLst>
       <p:ext uri="{BB962C8B-B14F-4D97-AF65-F5344CB8AC3E}">
-        <p14:creationId xmlns:p14="http://schemas.microsoft.com/office/powerpoint/2010/main" val="3553952820"/>
+        <p14:creationId xmlns:p14="http://schemas.microsoft.com/office/powerpoint/2010/main" val="3731189298"/>
       </p:ext>
     </p:extLst>
   </p:cSld>
@@ -1228,7 +1228,7 @@
           <p:cNvPr id="2" name="标题 1">
             <a:extLst>
               <a:ext uri="{FF2B5EF4-FFF2-40B4-BE49-F238E27FC236}">
-                <a16:creationId xmlns:a16="http://schemas.microsoft.com/office/drawing/2014/main" id="{70E59E72-5CD4-A2E2-230D-9A1F46349C41}"/>
+                <a16:creationId xmlns:a16="http://schemas.microsoft.com/office/drawing/2014/main" id="{1EF8A614-A596-0688-3B55-9A557D8DAC91}"/>
               </a:ext>
             </a:extLst>
           </p:cNvPr>
@@ -1256,7 +1256,7 @@
           <p:cNvPr id="3" name="内容占位符 2">
             <a:extLst>
               <a:ext uri="{FF2B5EF4-FFF2-40B4-BE49-F238E27FC236}">
-                <a16:creationId xmlns:a16="http://schemas.microsoft.com/office/drawing/2014/main" id="{4E5C60CC-3DCC-FBB4-89F2-BD65C47DAE2E}"/>
+                <a16:creationId xmlns:a16="http://schemas.microsoft.com/office/drawing/2014/main" id="{72432A8D-924D-A1F5-3BDD-7EC5DF881E76}"/>
               </a:ext>
             </a:extLst>
           </p:cNvPr>
@@ -1318,7 +1318,7 @@
           <p:cNvPr id="4" name="内容占位符 3">
             <a:extLst>
               <a:ext uri="{FF2B5EF4-FFF2-40B4-BE49-F238E27FC236}">
-                <a16:creationId xmlns:a16="http://schemas.microsoft.com/office/drawing/2014/main" id="{309173D6-F920-973C-9EDA-624F1364BB6E}"/>
+                <a16:creationId xmlns:a16="http://schemas.microsoft.com/office/drawing/2014/main" id="{1805FAEE-822A-68A4-ED38-2C8AFC84F839}"/>
               </a:ext>
             </a:extLst>
           </p:cNvPr>
@@ -1380,7 +1380,7 @@
           <p:cNvPr id="5" name="日期占位符 4">
             <a:extLst>
               <a:ext uri="{FF2B5EF4-FFF2-40B4-BE49-F238E27FC236}">
-                <a16:creationId xmlns:a16="http://schemas.microsoft.com/office/drawing/2014/main" id="{EFDA5878-8A40-07BE-3AFF-687AD552B5B4}"/>
+                <a16:creationId xmlns:a16="http://schemas.microsoft.com/office/drawing/2014/main" id="{CFA0E97D-0D8C-EE59-596D-D6D9DA607EDD}"/>
               </a:ext>
             </a:extLst>
           </p:cNvPr>
@@ -1396,7 +1396,7 @@
           <a:bodyPr/>
           <a:lstStyle/>
           <a:p>
-            <a:fld id="{F33BDBB3-2E28-4251-A4E9-9AD7F0E7CF80}" type="datetimeFigureOut">
+            <a:fld id="{17BBDA47-307A-4742-B733-25617F91A85D}" type="datetimeFigureOut">
               <a:rPr lang="zh-CN" altLang="en-US" smtClean="0"/>
               <a:t>2024/3/10</a:t>
             </a:fld>
@@ -1409,7 +1409,7 @@
           <p:cNvPr id="6" name="页脚占位符 5">
             <a:extLst>
               <a:ext uri="{FF2B5EF4-FFF2-40B4-BE49-F238E27FC236}">
-                <a16:creationId xmlns:a16="http://schemas.microsoft.com/office/drawing/2014/main" id="{4414B1CB-4EB7-BEB3-C5DF-3FFA26367093}"/>
+                <a16:creationId xmlns:a16="http://schemas.microsoft.com/office/drawing/2014/main" id="{98E27E44-ED04-5360-6A05-6A42E27E1B4A}"/>
               </a:ext>
             </a:extLst>
           </p:cNvPr>
@@ -1434,7 +1434,7 @@
           <p:cNvPr id="7" name="灯片编号占位符 6">
             <a:extLst>
               <a:ext uri="{FF2B5EF4-FFF2-40B4-BE49-F238E27FC236}">
-                <a16:creationId xmlns:a16="http://schemas.microsoft.com/office/drawing/2014/main" id="{CB3F7650-6B7F-3F6D-F2DD-91B5A8BC2F73}"/>
+                <a16:creationId xmlns:a16="http://schemas.microsoft.com/office/drawing/2014/main" id="{B3C1D1AA-791E-7F95-654F-D72F419D5139}"/>
               </a:ext>
             </a:extLst>
           </p:cNvPr>
@@ -1450,7 +1450,7 @@
           <a:bodyPr/>
           <a:lstStyle/>
           <a:p>
-            <a:fld id="{48D2DB90-3445-4B0B-8AF9-6F82FEE48594}" type="slidenum">
+            <a:fld id="{05EB092C-63A6-491E-8B71-240743562428}" type="slidenum">
               <a:rPr lang="zh-CN" altLang="en-US" smtClean="0"/>
               <a:t>‹#›</a:t>
             </a:fld>
@@ -1461,7 +1461,7 @@
     </p:spTree>
     <p:extLst>
       <p:ext uri="{BB962C8B-B14F-4D97-AF65-F5344CB8AC3E}">
-        <p14:creationId xmlns:p14="http://schemas.microsoft.com/office/powerpoint/2010/main" val="977842277"/>
+        <p14:creationId xmlns:p14="http://schemas.microsoft.com/office/powerpoint/2010/main" val="2978176377"/>
       </p:ext>
     </p:extLst>
   </p:cSld>
@@ -1493,7 +1493,7 @@
           <p:cNvPr id="2" name="标题 1">
             <a:extLst>
               <a:ext uri="{FF2B5EF4-FFF2-40B4-BE49-F238E27FC236}">
-                <a16:creationId xmlns:a16="http://schemas.microsoft.com/office/drawing/2014/main" id="{6B15E92A-8043-3247-E8F9-709977795017}"/>
+                <a16:creationId xmlns:a16="http://schemas.microsoft.com/office/drawing/2014/main" id="{8BEF8261-8D94-BCFD-882C-F873ED15BB56}"/>
               </a:ext>
             </a:extLst>
           </p:cNvPr>
@@ -1526,7 +1526,7 @@
           <p:cNvPr id="3" name="文本占位符 2">
             <a:extLst>
               <a:ext uri="{FF2B5EF4-FFF2-40B4-BE49-F238E27FC236}">
-                <a16:creationId xmlns:a16="http://schemas.microsoft.com/office/drawing/2014/main" id="{F870563E-5975-7ACD-43D8-C26214491643}"/>
+                <a16:creationId xmlns:a16="http://schemas.microsoft.com/office/drawing/2014/main" id="{4744D925-764B-DC7D-9889-0261B8AE9E18}"/>
               </a:ext>
             </a:extLst>
           </p:cNvPr>
@@ -1597,7 +1597,7 @@
           <p:cNvPr id="4" name="内容占位符 3">
             <a:extLst>
               <a:ext uri="{FF2B5EF4-FFF2-40B4-BE49-F238E27FC236}">
-                <a16:creationId xmlns:a16="http://schemas.microsoft.com/office/drawing/2014/main" id="{4DB41D98-68E7-28A9-87D8-89282EA4548E}"/>
+                <a16:creationId xmlns:a16="http://schemas.microsoft.com/office/drawing/2014/main" id="{FD412114-4A65-1478-E65F-9B8002452AAC}"/>
               </a:ext>
             </a:extLst>
           </p:cNvPr>
@@ -1659,7 +1659,7 @@
           <p:cNvPr id="5" name="文本占位符 4">
             <a:extLst>
               <a:ext uri="{FF2B5EF4-FFF2-40B4-BE49-F238E27FC236}">
-                <a16:creationId xmlns:a16="http://schemas.microsoft.com/office/drawing/2014/main" id="{9D6F6638-506D-F98A-F506-6574F133A863}"/>
+                <a16:creationId xmlns:a16="http://schemas.microsoft.com/office/drawing/2014/main" id="{6462B5F3-E8CC-5F35-EB97-C56A0588942D}"/>
               </a:ext>
             </a:extLst>
           </p:cNvPr>
@@ -1730,7 +1730,7 @@
           <p:cNvPr id="6" name="内容占位符 5">
             <a:extLst>
               <a:ext uri="{FF2B5EF4-FFF2-40B4-BE49-F238E27FC236}">
-                <a16:creationId xmlns:a16="http://schemas.microsoft.com/office/drawing/2014/main" id="{D9B9D564-C3E4-8829-6EA8-F8E1BF61EC82}"/>
+                <a16:creationId xmlns:a16="http://schemas.microsoft.com/office/drawing/2014/main" id="{FA3602FF-D3A6-C963-B613-E9E0F1856221}"/>
               </a:ext>
             </a:extLst>
           </p:cNvPr>
@@ -1792,7 +1792,7 @@
           <p:cNvPr id="7" name="日期占位符 6">
             <a:extLst>
               <a:ext uri="{FF2B5EF4-FFF2-40B4-BE49-F238E27FC236}">
-                <a16:creationId xmlns:a16="http://schemas.microsoft.com/office/drawing/2014/main" id="{60296D4E-257A-2AE4-6AEE-0DBFCB226D0B}"/>
+                <a16:creationId xmlns:a16="http://schemas.microsoft.com/office/drawing/2014/main" id="{AF972E91-AAC8-8D52-D3FB-E0C761DC5DC4}"/>
               </a:ext>
             </a:extLst>
           </p:cNvPr>
@@ -1808,7 +1808,7 @@
           <a:bodyPr/>
           <a:lstStyle/>
           <a:p>
-            <a:fld id="{F33BDBB3-2E28-4251-A4E9-9AD7F0E7CF80}" type="datetimeFigureOut">
+            <a:fld id="{17BBDA47-307A-4742-B733-25617F91A85D}" type="datetimeFigureOut">
               <a:rPr lang="zh-CN" altLang="en-US" smtClean="0"/>
               <a:t>2024/3/10</a:t>
             </a:fld>
@@ -1821,7 +1821,7 @@
           <p:cNvPr id="8" name="页脚占位符 7">
             <a:extLst>
               <a:ext uri="{FF2B5EF4-FFF2-40B4-BE49-F238E27FC236}">
-                <a16:creationId xmlns:a16="http://schemas.microsoft.com/office/drawing/2014/main" id="{2FBD2929-B9D6-CAD1-1951-DF4CCA340869}"/>
+                <a16:creationId xmlns:a16="http://schemas.microsoft.com/office/drawing/2014/main" id="{26B1D27D-FDAD-D820-0041-6751FCBA31EC}"/>
               </a:ext>
             </a:extLst>
           </p:cNvPr>
@@ -1846,7 +1846,7 @@
           <p:cNvPr id="9" name="灯片编号占位符 8">
             <a:extLst>
               <a:ext uri="{FF2B5EF4-FFF2-40B4-BE49-F238E27FC236}">
-                <a16:creationId xmlns:a16="http://schemas.microsoft.com/office/drawing/2014/main" id="{E62139D0-E3CB-9421-A588-9EB481902C45}"/>
+                <a16:creationId xmlns:a16="http://schemas.microsoft.com/office/drawing/2014/main" id="{2DCCEFB1-11CE-6E9C-0A80-CF6FF9F39DFF}"/>
               </a:ext>
             </a:extLst>
           </p:cNvPr>
@@ -1862,7 +1862,7 @@
           <a:bodyPr/>
           <a:lstStyle/>
           <a:p>
-            <a:fld id="{48D2DB90-3445-4B0B-8AF9-6F82FEE48594}" type="slidenum">
+            <a:fld id="{05EB092C-63A6-491E-8B71-240743562428}" type="slidenum">
               <a:rPr lang="zh-CN" altLang="en-US" smtClean="0"/>
               <a:t>‹#›</a:t>
             </a:fld>
@@ -1873,7 +1873,7 @@
     </p:spTree>
     <p:extLst>
       <p:ext uri="{BB962C8B-B14F-4D97-AF65-F5344CB8AC3E}">
-        <p14:creationId xmlns:p14="http://schemas.microsoft.com/office/powerpoint/2010/main" val="2629957145"/>
+        <p14:creationId xmlns:p14="http://schemas.microsoft.com/office/powerpoint/2010/main" val="3932964990"/>
       </p:ext>
     </p:extLst>
   </p:cSld>
@@ -1905,7 +1905,7 @@
           <p:cNvPr id="2" name="标题 1">
             <a:extLst>
               <a:ext uri="{FF2B5EF4-FFF2-40B4-BE49-F238E27FC236}">
-                <a16:creationId xmlns:a16="http://schemas.microsoft.com/office/drawing/2014/main" id="{29C55C5A-2FD8-B0C4-47CD-E107548BA460}"/>
+                <a16:creationId xmlns:a16="http://schemas.microsoft.com/office/drawing/2014/main" id="{81619828-1D89-8CF9-C2CE-A646C68DFBA0}"/>
               </a:ext>
             </a:extLst>
           </p:cNvPr>
@@ -1933,7 +1933,7 @@
           <p:cNvPr id="3" name="日期占位符 2">
             <a:extLst>
               <a:ext uri="{FF2B5EF4-FFF2-40B4-BE49-F238E27FC236}">
-                <a16:creationId xmlns:a16="http://schemas.microsoft.com/office/drawing/2014/main" id="{005BADA2-EBA6-C544-0001-F7204E8ED571}"/>
+                <a16:creationId xmlns:a16="http://schemas.microsoft.com/office/drawing/2014/main" id="{FFAD7585-3579-10F9-7096-C9B72EED3C99}"/>
               </a:ext>
             </a:extLst>
           </p:cNvPr>
@@ -1949,7 +1949,7 @@
           <a:bodyPr/>
           <a:lstStyle/>
           <a:p>
-            <a:fld id="{F33BDBB3-2E28-4251-A4E9-9AD7F0E7CF80}" type="datetimeFigureOut">
+            <a:fld id="{17BBDA47-307A-4742-B733-25617F91A85D}" type="datetimeFigureOut">
               <a:rPr lang="zh-CN" altLang="en-US" smtClean="0"/>
               <a:t>2024/3/10</a:t>
             </a:fld>
@@ -1962,7 +1962,7 @@
           <p:cNvPr id="4" name="页脚占位符 3">
             <a:extLst>
               <a:ext uri="{FF2B5EF4-FFF2-40B4-BE49-F238E27FC236}">
-                <a16:creationId xmlns:a16="http://schemas.microsoft.com/office/drawing/2014/main" id="{E87C897C-8D4E-71AD-9722-DD1041F32FCD}"/>
+                <a16:creationId xmlns:a16="http://schemas.microsoft.com/office/drawing/2014/main" id="{7CACE120-C7C7-CE5C-31BE-BBAEAAB07062}"/>
               </a:ext>
             </a:extLst>
           </p:cNvPr>
@@ -1987,7 +1987,7 @@
           <p:cNvPr id="5" name="灯片编号占位符 4">
             <a:extLst>
               <a:ext uri="{FF2B5EF4-FFF2-40B4-BE49-F238E27FC236}">
-                <a16:creationId xmlns:a16="http://schemas.microsoft.com/office/drawing/2014/main" id="{BD5A80EF-9647-47EA-1523-0A2114DFCD45}"/>
+                <a16:creationId xmlns:a16="http://schemas.microsoft.com/office/drawing/2014/main" id="{1656DB8A-FE90-3D88-67AE-8F67C0ECBEE2}"/>
               </a:ext>
             </a:extLst>
           </p:cNvPr>
@@ -2003,7 +2003,7 @@
           <a:bodyPr/>
           <a:lstStyle/>
           <a:p>
-            <a:fld id="{48D2DB90-3445-4B0B-8AF9-6F82FEE48594}" type="slidenum">
+            <a:fld id="{05EB092C-63A6-491E-8B71-240743562428}" type="slidenum">
               <a:rPr lang="zh-CN" altLang="en-US" smtClean="0"/>
               <a:t>‹#›</a:t>
             </a:fld>
@@ -2014,7 +2014,7 @@
     </p:spTree>
     <p:extLst>
       <p:ext uri="{BB962C8B-B14F-4D97-AF65-F5344CB8AC3E}">
-        <p14:creationId xmlns:p14="http://schemas.microsoft.com/office/powerpoint/2010/main" val="3273611679"/>
+        <p14:creationId xmlns:p14="http://schemas.microsoft.com/office/powerpoint/2010/main" val="848220994"/>
       </p:ext>
     </p:extLst>
   </p:cSld>
@@ -2046,7 +2046,7 @@
           <p:cNvPr id="2" name="日期占位符 1">
             <a:extLst>
               <a:ext uri="{FF2B5EF4-FFF2-40B4-BE49-F238E27FC236}">
-                <a16:creationId xmlns:a16="http://schemas.microsoft.com/office/drawing/2014/main" id="{ED70C283-2E23-35CF-27D6-5A7499E469A9}"/>
+                <a16:creationId xmlns:a16="http://schemas.microsoft.com/office/drawing/2014/main" id="{8DD47478-6DF9-0F8D-AF16-45D23091001E}"/>
               </a:ext>
             </a:extLst>
           </p:cNvPr>
@@ -2062,7 +2062,7 @@
           <a:bodyPr/>
           <a:lstStyle/>
           <a:p>
-            <a:fld id="{F33BDBB3-2E28-4251-A4E9-9AD7F0E7CF80}" type="datetimeFigureOut">
+            <a:fld id="{17BBDA47-307A-4742-B733-25617F91A85D}" type="datetimeFigureOut">
               <a:rPr lang="zh-CN" altLang="en-US" smtClean="0"/>
               <a:t>2024/3/10</a:t>
             </a:fld>
@@ -2075,7 +2075,7 @@
           <p:cNvPr id="3" name="页脚占位符 2">
             <a:extLst>
               <a:ext uri="{FF2B5EF4-FFF2-40B4-BE49-F238E27FC236}">
-                <a16:creationId xmlns:a16="http://schemas.microsoft.com/office/drawing/2014/main" id="{A874700A-DAC6-B393-6EAE-5A74E6EB52C3}"/>
+                <a16:creationId xmlns:a16="http://schemas.microsoft.com/office/drawing/2014/main" id="{EF80E777-2F9D-E575-4C0E-76403B12A388}"/>
               </a:ext>
             </a:extLst>
           </p:cNvPr>
@@ -2100,7 +2100,7 @@
           <p:cNvPr id="4" name="灯片编号占位符 3">
             <a:extLst>
               <a:ext uri="{FF2B5EF4-FFF2-40B4-BE49-F238E27FC236}">
-                <a16:creationId xmlns:a16="http://schemas.microsoft.com/office/drawing/2014/main" id="{69A5E535-6C17-9297-393E-CC154838B5AE}"/>
+                <a16:creationId xmlns:a16="http://schemas.microsoft.com/office/drawing/2014/main" id="{E667B0A2-1479-AB50-DB31-9D3EA325FD8E}"/>
               </a:ext>
             </a:extLst>
           </p:cNvPr>
@@ -2116,7 +2116,7 @@
           <a:bodyPr/>
           <a:lstStyle/>
           <a:p>
-            <a:fld id="{48D2DB90-3445-4B0B-8AF9-6F82FEE48594}" type="slidenum">
+            <a:fld id="{05EB092C-63A6-491E-8B71-240743562428}" type="slidenum">
               <a:rPr lang="zh-CN" altLang="en-US" smtClean="0"/>
               <a:t>‹#›</a:t>
             </a:fld>
@@ -2127,7 +2127,7 @@
     </p:spTree>
     <p:extLst>
       <p:ext uri="{BB962C8B-B14F-4D97-AF65-F5344CB8AC3E}">
-        <p14:creationId xmlns:p14="http://schemas.microsoft.com/office/powerpoint/2010/main" val="2131091882"/>
+        <p14:creationId xmlns:p14="http://schemas.microsoft.com/office/powerpoint/2010/main" val="1453358744"/>
       </p:ext>
     </p:extLst>
   </p:cSld>
@@ -2159,7 +2159,7 @@
           <p:cNvPr id="2" name="标题 1">
             <a:extLst>
               <a:ext uri="{FF2B5EF4-FFF2-40B4-BE49-F238E27FC236}">
-                <a16:creationId xmlns:a16="http://schemas.microsoft.com/office/drawing/2014/main" id="{F3AAC44A-DDE8-5730-055F-F27F501AB9E4}"/>
+                <a16:creationId xmlns:a16="http://schemas.microsoft.com/office/drawing/2014/main" id="{2949CF64-9337-0B5A-FA76-608E5CCAFBFF}"/>
               </a:ext>
             </a:extLst>
           </p:cNvPr>
@@ -2196,7 +2196,7 @@
           <p:cNvPr id="3" name="内容占位符 2">
             <a:extLst>
               <a:ext uri="{FF2B5EF4-FFF2-40B4-BE49-F238E27FC236}">
-                <a16:creationId xmlns:a16="http://schemas.microsoft.com/office/drawing/2014/main" id="{50490693-4F83-3ED9-F5D0-BE1DE9E85C00}"/>
+                <a16:creationId xmlns:a16="http://schemas.microsoft.com/office/drawing/2014/main" id="{BDAB315F-103F-D1C5-ABBF-4FB27B258A3D}"/>
               </a:ext>
             </a:extLst>
           </p:cNvPr>
@@ -2286,7 +2286,7 @@
           <p:cNvPr id="4" name="文本占位符 3">
             <a:extLst>
               <a:ext uri="{FF2B5EF4-FFF2-40B4-BE49-F238E27FC236}">
-                <a16:creationId xmlns:a16="http://schemas.microsoft.com/office/drawing/2014/main" id="{1B29B91F-FB35-1D82-C757-5C8FAE8DDB5F}"/>
+                <a16:creationId xmlns:a16="http://schemas.microsoft.com/office/drawing/2014/main" id="{2662D0C9-E767-AE92-259D-14AFA9B57706}"/>
               </a:ext>
             </a:extLst>
           </p:cNvPr>
@@ -2357,7 +2357,7 @@
           <p:cNvPr id="5" name="日期占位符 4">
             <a:extLst>
               <a:ext uri="{FF2B5EF4-FFF2-40B4-BE49-F238E27FC236}">
-                <a16:creationId xmlns:a16="http://schemas.microsoft.com/office/drawing/2014/main" id="{DFC62CFB-57DF-B1ED-2DC5-09148989F70D}"/>
+                <a16:creationId xmlns:a16="http://schemas.microsoft.com/office/drawing/2014/main" id="{4D41E4E5-2E94-DADA-26AA-839611D2DEFA}"/>
               </a:ext>
             </a:extLst>
           </p:cNvPr>
@@ -2373,7 +2373,7 @@
           <a:bodyPr/>
           <a:lstStyle/>
           <a:p>
-            <a:fld id="{F33BDBB3-2E28-4251-A4E9-9AD7F0E7CF80}" type="datetimeFigureOut">
+            <a:fld id="{17BBDA47-307A-4742-B733-25617F91A85D}" type="datetimeFigureOut">
               <a:rPr lang="zh-CN" altLang="en-US" smtClean="0"/>
               <a:t>2024/3/10</a:t>
             </a:fld>
@@ -2386,7 +2386,7 @@
           <p:cNvPr id="6" name="页脚占位符 5">
             <a:extLst>
               <a:ext uri="{FF2B5EF4-FFF2-40B4-BE49-F238E27FC236}">
-                <a16:creationId xmlns:a16="http://schemas.microsoft.com/office/drawing/2014/main" id="{0BC8D2DF-B833-5C9A-B24B-D2BF2826E63C}"/>
+                <a16:creationId xmlns:a16="http://schemas.microsoft.com/office/drawing/2014/main" id="{FE26C27F-D581-3427-FB33-AE13EC7E3004}"/>
               </a:ext>
             </a:extLst>
           </p:cNvPr>
@@ -2411,7 +2411,7 @@
           <p:cNvPr id="7" name="灯片编号占位符 6">
             <a:extLst>
               <a:ext uri="{FF2B5EF4-FFF2-40B4-BE49-F238E27FC236}">
-                <a16:creationId xmlns:a16="http://schemas.microsoft.com/office/drawing/2014/main" id="{0E537C7F-608D-ABD7-3078-5D983D86FD7F}"/>
+                <a16:creationId xmlns:a16="http://schemas.microsoft.com/office/drawing/2014/main" id="{A5974C8D-AEEA-273E-80C3-B0BA82429413}"/>
               </a:ext>
             </a:extLst>
           </p:cNvPr>
@@ -2427,7 +2427,7 @@
           <a:bodyPr/>
           <a:lstStyle/>
           <a:p>
-            <a:fld id="{48D2DB90-3445-4B0B-8AF9-6F82FEE48594}" type="slidenum">
+            <a:fld id="{05EB092C-63A6-491E-8B71-240743562428}" type="slidenum">
               <a:rPr lang="zh-CN" altLang="en-US" smtClean="0"/>
               <a:t>‹#›</a:t>
             </a:fld>
@@ -2438,7 +2438,7 @@
     </p:spTree>
     <p:extLst>
       <p:ext uri="{BB962C8B-B14F-4D97-AF65-F5344CB8AC3E}">
-        <p14:creationId xmlns:p14="http://schemas.microsoft.com/office/powerpoint/2010/main" val="2339439410"/>
+        <p14:creationId xmlns:p14="http://schemas.microsoft.com/office/powerpoint/2010/main" val="3534337904"/>
       </p:ext>
     </p:extLst>
   </p:cSld>
@@ -2470,7 +2470,7 @@
           <p:cNvPr id="2" name="标题 1">
             <a:extLst>
               <a:ext uri="{FF2B5EF4-FFF2-40B4-BE49-F238E27FC236}">
-                <a16:creationId xmlns:a16="http://schemas.microsoft.com/office/drawing/2014/main" id="{B1E375A8-99E3-E503-486D-2A08005464B4}"/>
+                <a16:creationId xmlns:a16="http://schemas.microsoft.com/office/drawing/2014/main" id="{4D97E1BE-CC2A-E1CA-1348-40E1FE7A6FF2}"/>
               </a:ext>
             </a:extLst>
           </p:cNvPr>
@@ -2507,7 +2507,7 @@
           <p:cNvPr id="3" name="图片占位符 2">
             <a:extLst>
               <a:ext uri="{FF2B5EF4-FFF2-40B4-BE49-F238E27FC236}">
-                <a16:creationId xmlns:a16="http://schemas.microsoft.com/office/drawing/2014/main" id="{23969C9D-C74C-6A87-69D1-1D5AA1812BF1}"/>
+                <a16:creationId xmlns:a16="http://schemas.microsoft.com/office/drawing/2014/main" id="{98C6F36D-59EC-3D5A-FDA5-942B13E98CD9}"/>
               </a:ext>
             </a:extLst>
           </p:cNvPr>
@@ -2574,7 +2574,7 @@
           <p:cNvPr id="4" name="文本占位符 3">
             <a:extLst>
               <a:ext uri="{FF2B5EF4-FFF2-40B4-BE49-F238E27FC236}">
-                <a16:creationId xmlns:a16="http://schemas.microsoft.com/office/drawing/2014/main" id="{F35B14EF-FBBC-8D47-6C0F-F771494F7449}"/>
+                <a16:creationId xmlns:a16="http://schemas.microsoft.com/office/drawing/2014/main" id="{714AE72E-D178-A60D-DF43-1B67CB95A879}"/>
               </a:ext>
             </a:extLst>
           </p:cNvPr>
@@ -2645,7 +2645,7 @@
           <p:cNvPr id="5" name="日期占位符 4">
             <a:extLst>
               <a:ext uri="{FF2B5EF4-FFF2-40B4-BE49-F238E27FC236}">
-                <a16:creationId xmlns:a16="http://schemas.microsoft.com/office/drawing/2014/main" id="{0C804FFE-73D7-8A06-DF01-EDD35A3AFDE3}"/>
+                <a16:creationId xmlns:a16="http://schemas.microsoft.com/office/drawing/2014/main" id="{E391B576-A8BC-D260-98BE-823076D06A98}"/>
               </a:ext>
             </a:extLst>
           </p:cNvPr>
@@ -2661,7 +2661,7 @@
           <a:bodyPr/>
           <a:lstStyle/>
           <a:p>
-            <a:fld id="{F33BDBB3-2E28-4251-A4E9-9AD7F0E7CF80}" type="datetimeFigureOut">
+            <a:fld id="{17BBDA47-307A-4742-B733-25617F91A85D}" type="datetimeFigureOut">
               <a:rPr lang="zh-CN" altLang="en-US" smtClean="0"/>
               <a:t>2024/3/10</a:t>
             </a:fld>
@@ -2674,7 +2674,7 @@
           <p:cNvPr id="6" name="页脚占位符 5">
             <a:extLst>
               <a:ext uri="{FF2B5EF4-FFF2-40B4-BE49-F238E27FC236}">
-                <a16:creationId xmlns:a16="http://schemas.microsoft.com/office/drawing/2014/main" id="{CC9F8A37-E840-CD8D-3543-D5D944FA1F6C}"/>
+                <a16:creationId xmlns:a16="http://schemas.microsoft.com/office/drawing/2014/main" id="{A29D02F2-F6F3-1C5F-2AAC-5EF77C9E6AE8}"/>
               </a:ext>
             </a:extLst>
           </p:cNvPr>
@@ -2699,7 +2699,7 @@
           <p:cNvPr id="7" name="灯片编号占位符 6">
             <a:extLst>
               <a:ext uri="{FF2B5EF4-FFF2-40B4-BE49-F238E27FC236}">
-                <a16:creationId xmlns:a16="http://schemas.microsoft.com/office/drawing/2014/main" id="{4D372C13-2CD2-8611-86F9-F59F32BFE60E}"/>
+                <a16:creationId xmlns:a16="http://schemas.microsoft.com/office/drawing/2014/main" id="{76AE543C-A761-FFBC-594E-D2F8B156E852}"/>
               </a:ext>
             </a:extLst>
           </p:cNvPr>
@@ -2715,7 +2715,7 @@
           <a:bodyPr/>
           <a:lstStyle/>
           <a:p>
-            <a:fld id="{48D2DB90-3445-4B0B-8AF9-6F82FEE48594}" type="slidenum">
+            <a:fld id="{05EB092C-63A6-491E-8B71-240743562428}" type="slidenum">
               <a:rPr lang="zh-CN" altLang="en-US" smtClean="0"/>
               <a:t>‹#›</a:t>
             </a:fld>
@@ -2726,7 +2726,7 @@
     </p:spTree>
     <p:extLst>
       <p:ext uri="{BB962C8B-B14F-4D97-AF65-F5344CB8AC3E}">
-        <p14:creationId xmlns:p14="http://schemas.microsoft.com/office/powerpoint/2010/main" val="1321550881"/>
+        <p14:creationId xmlns:p14="http://schemas.microsoft.com/office/powerpoint/2010/main" val="3591048954"/>
       </p:ext>
     </p:extLst>
   </p:cSld>
@@ -2763,7 +2763,7 @@
           <p:cNvPr id="2" name="标题占位符 1">
             <a:extLst>
               <a:ext uri="{FF2B5EF4-FFF2-40B4-BE49-F238E27FC236}">
-                <a16:creationId xmlns:a16="http://schemas.microsoft.com/office/drawing/2014/main" id="{B31325C3-BD07-D478-500E-273F80553BA5}"/>
+                <a16:creationId xmlns:a16="http://schemas.microsoft.com/office/drawing/2014/main" id="{90F93163-E2D1-3AE2-09A4-5A3198A0679E}"/>
               </a:ext>
             </a:extLst>
           </p:cNvPr>
@@ -2801,7 +2801,7 @@
           <p:cNvPr id="3" name="文本占位符 2">
             <a:extLst>
               <a:ext uri="{FF2B5EF4-FFF2-40B4-BE49-F238E27FC236}">
-                <a16:creationId xmlns:a16="http://schemas.microsoft.com/office/drawing/2014/main" id="{423A6B34-7852-7F65-5DFE-F45D9F583504}"/>
+                <a16:creationId xmlns:a16="http://schemas.microsoft.com/office/drawing/2014/main" id="{DA22F69B-CC10-A865-2680-47952943A31D}"/>
               </a:ext>
             </a:extLst>
           </p:cNvPr>
@@ -2868,7 +2868,7 @@
           <p:cNvPr id="4" name="日期占位符 3">
             <a:extLst>
               <a:ext uri="{FF2B5EF4-FFF2-40B4-BE49-F238E27FC236}">
-                <a16:creationId xmlns:a16="http://schemas.microsoft.com/office/drawing/2014/main" id="{CC59BEFA-2606-CBDC-8CBB-807FDE2B7FF1}"/>
+                <a16:creationId xmlns:a16="http://schemas.microsoft.com/office/drawing/2014/main" id="{B757264C-D6A3-7565-5F02-1783C0A9BC64}"/>
               </a:ext>
             </a:extLst>
           </p:cNvPr>
@@ -2902,7 +2902,7 @@
             </a:lvl1pPr>
           </a:lstStyle>
           <a:p>
-            <a:fld id="{F33BDBB3-2E28-4251-A4E9-9AD7F0E7CF80}" type="datetimeFigureOut">
+            <a:fld id="{17BBDA47-307A-4742-B733-25617F91A85D}" type="datetimeFigureOut">
               <a:rPr lang="zh-CN" altLang="en-US" smtClean="0"/>
               <a:t>2024/3/10</a:t>
             </a:fld>
@@ -2915,7 +2915,7 @@
           <p:cNvPr id="5" name="页脚占位符 4">
             <a:extLst>
               <a:ext uri="{FF2B5EF4-FFF2-40B4-BE49-F238E27FC236}">
-                <a16:creationId xmlns:a16="http://schemas.microsoft.com/office/drawing/2014/main" id="{BA9843FE-F8F0-8BFB-57AB-810DF08C1132}"/>
+                <a16:creationId xmlns:a16="http://schemas.microsoft.com/office/drawing/2014/main" id="{9E4D689F-1675-C045-7414-5BFAFA6D570C}"/>
               </a:ext>
             </a:extLst>
           </p:cNvPr>
@@ -2958,7 +2958,7 @@
           <p:cNvPr id="6" name="灯片编号占位符 5">
             <a:extLst>
               <a:ext uri="{FF2B5EF4-FFF2-40B4-BE49-F238E27FC236}">
-                <a16:creationId xmlns:a16="http://schemas.microsoft.com/office/drawing/2014/main" id="{F0214D01-3967-5743-D94B-D4806F5B86ED}"/>
+                <a16:creationId xmlns:a16="http://schemas.microsoft.com/office/drawing/2014/main" id="{9B0D711B-D311-0AC1-7D5F-6DA45791DFCF}"/>
               </a:ext>
             </a:extLst>
           </p:cNvPr>
@@ -2992,7 +2992,7 @@
             </a:lvl1pPr>
           </a:lstStyle>
           <a:p>
-            <a:fld id="{48D2DB90-3445-4B0B-8AF9-6F82FEE48594}" type="slidenum">
+            <a:fld id="{05EB092C-63A6-491E-8B71-240743562428}" type="slidenum">
               <a:rPr lang="zh-CN" altLang="en-US" smtClean="0"/>
               <a:t>‹#›</a:t>
             </a:fld>
@@ -3003,7 +3003,7 @@
     </p:spTree>
     <p:extLst>
       <p:ext uri="{BB962C8B-B14F-4D97-AF65-F5344CB8AC3E}">
-        <p14:creationId xmlns:p14="http://schemas.microsoft.com/office/powerpoint/2010/main" val="1413646127"/>
+        <p14:creationId xmlns:p14="http://schemas.microsoft.com/office/powerpoint/2010/main" val="3377162904"/>
       </p:ext>
     </p:extLst>
   </p:cSld>
@@ -3323,7 +3323,7 @@
       </p:grpSpPr>
       <p:pic>
         <p:nvPicPr>
-          <p:cNvPr id="692226" name="Picture 2" descr="675"/>
+          <p:cNvPr id="693250" name="Picture 2" descr="676"/>
           <p:cNvPicPr>
             <a:picLocks noChangeAspect="1" noChangeArrowheads="1"/>
           </p:cNvPicPr>
